--- a/Impedance measurements notes.pptx
+++ b/Impedance measurements notes.pptx
@@ -13,7 +13,9 @@
     <p:sldId id="1877" r:id="rId7"/>
     <p:sldId id="1878" r:id="rId8"/>
     <p:sldId id="1879" r:id="rId9"/>
-    <p:sldId id="1880" r:id="rId10"/>
+    <p:sldId id="1881" r:id="rId10"/>
+    <p:sldId id="1882" r:id="rId11"/>
+    <p:sldId id="1880" r:id="rId12"/>
   </p:sldIdLst>
   <p:sldSz cx="12192000" cy="6858000"/>
   <p:notesSz cx="6858000" cy="9144000"/>
@@ -3683,6 +3685,576 @@
 </p:sld>
 </file>
 
+<file path=ppt/slides/slide10.xml><?xml version="1.0" encoding="utf-8"?>
+<p:sld xmlns:a="http://schemas.openxmlformats.org/drawingml/2006/main" xmlns:r="http://schemas.openxmlformats.org/officeDocument/2006/relationships" xmlns:p="http://schemas.openxmlformats.org/presentationml/2006/main">
+  <p:cSld>
+    <p:spTree>
+      <p:nvGrpSpPr>
+        <p:cNvPr id="1" name=""/>
+        <p:cNvGrpSpPr/>
+        <p:nvPr/>
+      </p:nvGrpSpPr>
+      <p:grpSpPr>
+        <a:xfrm>
+          <a:off x="0" y="0"/>
+          <a:ext cx="0" cy="0"/>
+          <a:chOff x="0" y="0"/>
+          <a:chExt cx="0" cy="0"/>
+        </a:xfrm>
+      </p:grpSpPr>
+      <p:sp>
+        <p:nvSpPr>
+          <p:cNvPr id="2" name="Text Placeholder 1">
+            <a:extLst>
+              <a:ext uri="{FF2B5EF4-FFF2-40B4-BE49-F238E27FC236}">
+                <a16:creationId xmlns:a16="http://schemas.microsoft.com/office/drawing/2014/main" id="{E0759150-5F5D-5E89-1558-CDE0B101A88A}"/>
+              </a:ext>
+            </a:extLst>
+          </p:cNvPr>
+          <p:cNvSpPr>
+            <a:spLocks noGrp="1"/>
+          </p:cNvSpPr>
+          <p:nvPr>
+            <p:ph type="body" sz="quarter" idx="10"/>
+          </p:nvPr>
+        </p:nvSpPr>
+        <p:spPr/>
+        <p:txBody>
+          <a:bodyPr>
+            <a:normAutofit fontScale="77500" lnSpcReduction="20000"/>
+          </a:bodyPr>
+          <a:lstStyle/>
+          <a:p>
+            <a:endParaRPr lang="en-GB"/>
+          </a:p>
+        </p:txBody>
+      </p:sp>
+      <p:sp>
+        <p:nvSpPr>
+          <p:cNvPr id="3" name="Text Placeholder 2">
+            <a:extLst>
+              <a:ext uri="{FF2B5EF4-FFF2-40B4-BE49-F238E27FC236}">
+                <a16:creationId xmlns:a16="http://schemas.microsoft.com/office/drawing/2014/main" id="{044DB7AA-06E7-58C9-0810-6335E7C0AE1C}"/>
+              </a:ext>
+            </a:extLst>
+          </p:cNvPr>
+          <p:cNvSpPr>
+            <a:spLocks noGrp="1"/>
+          </p:cNvSpPr>
+          <p:nvPr>
+            <p:ph type="body" sz="quarter" idx="11"/>
+          </p:nvPr>
+        </p:nvSpPr>
+        <p:spPr/>
+        <p:txBody>
+          <a:bodyPr/>
+          <a:lstStyle/>
+          <a:p>
+            <a:r>
+              <a:rPr lang="en-GB" dirty="0"/>
+              <a:t>2025-05-27</a:t>
+            </a:r>
+          </a:p>
+        </p:txBody>
+      </p:sp>
+      <p:sp>
+        <p:nvSpPr>
+          <p:cNvPr id="4" name="Text Placeholder 3">
+            <a:extLst>
+              <a:ext uri="{FF2B5EF4-FFF2-40B4-BE49-F238E27FC236}">
+                <a16:creationId xmlns:a16="http://schemas.microsoft.com/office/drawing/2014/main" id="{BBF13EE4-F346-B92A-3436-757D889922B9}"/>
+              </a:ext>
+            </a:extLst>
+          </p:cNvPr>
+          <p:cNvSpPr>
+            <a:spLocks noGrp="1"/>
+          </p:cNvSpPr>
+          <p:nvPr>
+            <p:ph type="body" sz="quarter" idx="12"/>
+          </p:nvPr>
+        </p:nvSpPr>
+        <p:spPr/>
+        <p:txBody>
+          <a:bodyPr/>
+          <a:lstStyle/>
+          <a:p>
+            <a:r>
+              <a:rPr lang="en-GB" dirty="0"/>
+              <a:t>Setting up MATLAB</a:t>
+            </a:r>
+          </a:p>
+          <a:p>
+            <a:endParaRPr lang="en-GB" dirty="0"/>
+          </a:p>
+        </p:txBody>
+      </p:sp>
+      <p:pic>
+        <p:nvPicPr>
+          <p:cNvPr id="6" name="Picture 5">
+            <a:extLst>
+              <a:ext uri="{FF2B5EF4-FFF2-40B4-BE49-F238E27FC236}">
+                <a16:creationId xmlns:a16="http://schemas.microsoft.com/office/drawing/2014/main" id="{8EAECBF7-3EE8-3CCD-1669-1DB605C7A692}"/>
+              </a:ext>
+            </a:extLst>
+          </p:cNvPr>
+          <p:cNvPicPr>
+            <a:picLocks noChangeAspect="1"/>
+          </p:cNvPicPr>
+          <p:nvPr/>
+        </p:nvPicPr>
+        <p:blipFill>
+          <a:blip r:embed="rId2"/>
+          <a:stretch>
+            <a:fillRect/>
+          </a:stretch>
+        </p:blipFill>
+        <p:spPr>
+          <a:xfrm>
+            <a:off x="79642" y="397639"/>
+            <a:ext cx="5133975" cy="1343025"/>
+          </a:xfrm>
+          <a:prstGeom prst="rect">
+            <a:avLst/>
+          </a:prstGeom>
+        </p:spPr>
+      </p:pic>
+      <p:pic>
+        <p:nvPicPr>
+          <p:cNvPr id="8" name="Picture 7">
+            <a:extLst>
+              <a:ext uri="{FF2B5EF4-FFF2-40B4-BE49-F238E27FC236}">
+                <a16:creationId xmlns:a16="http://schemas.microsoft.com/office/drawing/2014/main" id="{046FE985-6745-896A-5DF1-FA6A50ECE5D3}"/>
+              </a:ext>
+            </a:extLst>
+          </p:cNvPr>
+          <p:cNvPicPr>
+            <a:picLocks noChangeAspect="1"/>
+          </p:cNvPicPr>
+          <p:nvPr/>
+        </p:nvPicPr>
+        <p:blipFill>
+          <a:blip r:embed="rId3"/>
+          <a:stretch>
+            <a:fillRect/>
+          </a:stretch>
+        </p:blipFill>
+        <p:spPr>
+          <a:xfrm>
+            <a:off x="0" y="1814790"/>
+            <a:ext cx="5581650" cy="209550"/>
+          </a:xfrm>
+          <a:prstGeom prst="rect">
+            <a:avLst/>
+          </a:prstGeom>
+        </p:spPr>
+      </p:pic>
+      <p:sp>
+        <p:nvSpPr>
+          <p:cNvPr id="9" name="TextBox 8">
+            <a:extLst>
+              <a:ext uri="{FF2B5EF4-FFF2-40B4-BE49-F238E27FC236}">
+                <a16:creationId xmlns:a16="http://schemas.microsoft.com/office/drawing/2014/main" id="{33D1A8FC-837A-F2AF-8F9F-1152E10FFDA0}"/>
+              </a:ext>
+            </a:extLst>
+          </p:cNvPr>
+          <p:cNvSpPr txBox="1"/>
+          <p:nvPr/>
+        </p:nvSpPr>
+        <p:spPr>
+          <a:xfrm>
+            <a:off x="4954109" y="560113"/>
+            <a:ext cx="7349622" cy="369332"/>
+          </a:xfrm>
+          <a:prstGeom prst="rect">
+            <a:avLst/>
+          </a:prstGeom>
+          <a:noFill/>
+        </p:spPr>
+        <p:txBody>
+          <a:bodyPr wrap="square" rtlCol="0">
+            <a:spAutoFit/>
+          </a:bodyPr>
+          <a:lstStyle/>
+          <a:p>
+            <a:pPr marL="285750" indent="-285750">
+              <a:buFont typeface="Wingdings" panose="05000000000000000000" pitchFamily="2" charset="2"/>
+              <a:buChar char="ß"/>
+            </a:pPr>
+            <a:r>
+              <a:rPr lang="en-GB" dirty="0"/>
+              <a:t> Getting real and imaginary parts from the ‘data’ array</a:t>
+            </a:r>
+          </a:p>
+        </p:txBody>
+      </p:sp>
+      <p:sp>
+        <p:nvSpPr>
+          <p:cNvPr id="10" name="TextBox 9">
+            <a:extLst>
+              <a:ext uri="{FF2B5EF4-FFF2-40B4-BE49-F238E27FC236}">
+                <a16:creationId xmlns:a16="http://schemas.microsoft.com/office/drawing/2014/main" id="{1982C12B-B0C5-632A-6B1F-B7C18480F330}"/>
+              </a:ext>
+            </a:extLst>
+          </p:cNvPr>
+          <p:cNvSpPr txBox="1"/>
+          <p:nvPr/>
+        </p:nvSpPr>
+        <p:spPr>
+          <a:xfrm>
+            <a:off x="4762736" y="1215779"/>
+            <a:ext cx="7349622" cy="369332"/>
+          </a:xfrm>
+          <a:prstGeom prst="rect">
+            <a:avLst/>
+          </a:prstGeom>
+          <a:noFill/>
+        </p:spPr>
+        <p:txBody>
+          <a:bodyPr wrap="square" rtlCol="0">
+            <a:spAutoFit/>
+          </a:bodyPr>
+          <a:lstStyle/>
+          <a:p>
+            <a:pPr marL="285750" indent="-285750">
+              <a:buFont typeface="Wingdings" panose="05000000000000000000" pitchFamily="2" charset="2"/>
+              <a:buChar char="ß"/>
+            </a:pPr>
+            <a:r>
+              <a:rPr lang="en-GB" dirty="0"/>
+              <a:t> Make into complex number</a:t>
+            </a:r>
+          </a:p>
+        </p:txBody>
+      </p:sp>
+      <p:sp>
+        <p:nvSpPr>
+          <p:cNvPr id="11" name="TextBox 10">
+            <a:extLst>
+              <a:ext uri="{FF2B5EF4-FFF2-40B4-BE49-F238E27FC236}">
+                <a16:creationId xmlns:a16="http://schemas.microsoft.com/office/drawing/2014/main" id="{74B9ADFC-E8BD-2B5C-07F3-7CC1161C96A9}"/>
+              </a:ext>
+            </a:extLst>
+          </p:cNvPr>
+          <p:cNvSpPr txBox="1"/>
+          <p:nvPr/>
+        </p:nvSpPr>
+        <p:spPr>
+          <a:xfrm>
+            <a:off x="5451896" y="1686779"/>
+            <a:ext cx="7349622" cy="369332"/>
+          </a:xfrm>
+          <a:prstGeom prst="rect">
+            <a:avLst/>
+          </a:prstGeom>
+          <a:noFill/>
+        </p:spPr>
+        <p:txBody>
+          <a:bodyPr wrap="square" rtlCol="0">
+            <a:spAutoFit/>
+          </a:bodyPr>
+          <a:lstStyle/>
+          <a:p>
+            <a:pPr marL="285750" indent="-285750">
+              <a:buFont typeface="Wingdings" panose="05000000000000000000" pitchFamily="2" charset="2"/>
+              <a:buChar char="ß"/>
+            </a:pPr>
+            <a:r>
+              <a:rPr lang="en-GB" dirty="0"/>
+              <a:t> |S11| in </a:t>
+            </a:r>
+            <a:r>
+              <a:rPr lang="en-GB" dirty="0" err="1"/>
+              <a:t>db</a:t>
+            </a:r>
+            <a:endParaRPr lang="en-GB" dirty="0"/>
+          </a:p>
+        </p:txBody>
+      </p:sp>
+      <p:pic>
+        <p:nvPicPr>
+          <p:cNvPr id="13" name="Picture 12">
+            <a:extLst>
+              <a:ext uri="{FF2B5EF4-FFF2-40B4-BE49-F238E27FC236}">
+                <a16:creationId xmlns:a16="http://schemas.microsoft.com/office/drawing/2014/main" id="{6135F9BA-8552-E56A-4CB5-C38241F5E685}"/>
+              </a:ext>
+            </a:extLst>
+          </p:cNvPr>
+          <p:cNvPicPr>
+            <a:picLocks noChangeAspect="1"/>
+          </p:cNvPicPr>
+          <p:nvPr/>
+        </p:nvPicPr>
+        <p:blipFill>
+          <a:blip r:embed="rId4"/>
+          <a:stretch>
+            <a:fillRect/>
+          </a:stretch>
+        </p:blipFill>
+        <p:spPr>
+          <a:xfrm>
+            <a:off x="0" y="2098466"/>
+            <a:ext cx="5000625" cy="409575"/>
+          </a:xfrm>
+          <a:prstGeom prst="rect">
+            <a:avLst/>
+          </a:prstGeom>
+        </p:spPr>
+      </p:pic>
+      <p:pic>
+        <p:nvPicPr>
+          <p:cNvPr id="15" name="Picture 14">
+            <a:extLst>
+              <a:ext uri="{FF2B5EF4-FFF2-40B4-BE49-F238E27FC236}">
+                <a16:creationId xmlns:a16="http://schemas.microsoft.com/office/drawing/2014/main" id="{892D1E7A-BD5B-6A55-E648-28A08E8CC710}"/>
+              </a:ext>
+            </a:extLst>
+          </p:cNvPr>
+          <p:cNvPicPr>
+            <a:picLocks noChangeAspect="1"/>
+          </p:cNvPicPr>
+          <p:nvPr/>
+        </p:nvPicPr>
+        <p:blipFill>
+          <a:blip r:embed="rId5"/>
+          <a:stretch>
+            <a:fillRect/>
+          </a:stretch>
+        </p:blipFill>
+        <p:spPr>
+          <a:xfrm>
+            <a:off x="79642" y="2494310"/>
+            <a:ext cx="6534150" cy="457200"/>
+          </a:xfrm>
+          <a:prstGeom prst="rect">
+            <a:avLst/>
+          </a:prstGeom>
+        </p:spPr>
+      </p:pic>
+      <p:sp>
+        <p:nvSpPr>
+          <p:cNvPr id="16" name="TextBox 15">
+            <a:extLst>
+              <a:ext uri="{FF2B5EF4-FFF2-40B4-BE49-F238E27FC236}">
+                <a16:creationId xmlns:a16="http://schemas.microsoft.com/office/drawing/2014/main" id="{3A0D0CC3-C3CD-1A78-672E-F53F5909A325}"/>
+              </a:ext>
+            </a:extLst>
+          </p:cNvPr>
+          <p:cNvSpPr txBox="1"/>
+          <p:nvPr/>
+        </p:nvSpPr>
+        <p:spPr>
+          <a:xfrm>
+            <a:off x="6706568" y="2444113"/>
+            <a:ext cx="4284339" cy="369332"/>
+          </a:xfrm>
+          <a:prstGeom prst="rect">
+            <a:avLst/>
+          </a:prstGeom>
+          <a:noFill/>
+        </p:spPr>
+        <p:txBody>
+          <a:bodyPr wrap="square" rtlCol="0">
+            <a:spAutoFit/>
+          </a:bodyPr>
+          <a:lstStyle/>
+          <a:p>
+            <a:pPr marL="285750" indent="-285750">
+              <a:buFont typeface="Wingdings" panose="05000000000000000000" pitchFamily="2" charset="2"/>
+              <a:buChar char="ß"/>
+            </a:pPr>
+            <a:r>
+              <a:rPr lang="en-GB" dirty="0"/>
+              <a:t> Calculating Impedance</a:t>
+            </a:r>
+          </a:p>
+        </p:txBody>
+      </p:sp>
+      <p:pic>
+        <p:nvPicPr>
+          <p:cNvPr id="18" name="Picture 17" descr="A graph of a diagram&#10;&#10;AI-generated content may be incorrect.">
+            <a:extLst>
+              <a:ext uri="{FF2B5EF4-FFF2-40B4-BE49-F238E27FC236}">
+                <a16:creationId xmlns:a16="http://schemas.microsoft.com/office/drawing/2014/main" id="{667F7571-841B-6234-CFDD-8A971E23F53A}"/>
+              </a:ext>
+            </a:extLst>
+          </p:cNvPr>
+          <p:cNvPicPr>
+            <a:picLocks noChangeAspect="1"/>
+          </p:cNvPicPr>
+          <p:nvPr/>
+        </p:nvPicPr>
+        <p:blipFill>
+          <a:blip r:embed="rId6">
+            <a:extLst>
+              <a:ext uri="{28A0092B-C50C-407E-A947-70E740481C1C}">
+                <a14:useLocalDpi xmlns:a14="http://schemas.microsoft.com/office/drawing/2010/main" val="0"/>
+              </a:ext>
+            </a:extLst>
+          </a:blip>
+          <a:stretch>
+            <a:fillRect/>
+          </a:stretch>
+        </p:blipFill>
+        <p:spPr>
+          <a:xfrm>
+            <a:off x="2608347" y="3122201"/>
+            <a:ext cx="5687098" cy="3468337"/>
+          </a:xfrm>
+          <a:prstGeom prst="rect">
+            <a:avLst/>
+          </a:prstGeom>
+        </p:spPr>
+      </p:pic>
+    </p:spTree>
+    <p:extLst>
+      <p:ext uri="{BB962C8B-B14F-4D97-AF65-F5344CB8AC3E}">
+        <p14:creationId xmlns:p14="http://schemas.microsoft.com/office/powerpoint/2010/main" val="2329404750"/>
+      </p:ext>
+    </p:extLst>
+  </p:cSld>
+  <p:clrMapOvr>
+    <a:masterClrMapping/>
+  </p:clrMapOvr>
+</p:sld>
+</file>
+
+<file path=ppt/slides/slide11.xml><?xml version="1.0" encoding="utf-8"?>
+<p:sld xmlns:a="http://schemas.openxmlformats.org/drawingml/2006/main" xmlns:r="http://schemas.openxmlformats.org/officeDocument/2006/relationships" xmlns:p="http://schemas.openxmlformats.org/presentationml/2006/main">
+  <p:cSld>
+    <p:spTree>
+      <p:nvGrpSpPr>
+        <p:cNvPr id="1" name=""/>
+        <p:cNvGrpSpPr/>
+        <p:nvPr/>
+      </p:nvGrpSpPr>
+      <p:grpSpPr>
+        <a:xfrm>
+          <a:off x="0" y="0"/>
+          <a:ext cx="0" cy="0"/>
+          <a:chOff x="0" y="0"/>
+          <a:chExt cx="0" cy="0"/>
+        </a:xfrm>
+      </p:grpSpPr>
+      <p:sp>
+        <p:nvSpPr>
+          <p:cNvPr id="2" name="Text Placeholder 1">
+            <a:extLst>
+              <a:ext uri="{FF2B5EF4-FFF2-40B4-BE49-F238E27FC236}">
+                <a16:creationId xmlns:a16="http://schemas.microsoft.com/office/drawing/2014/main" id="{3503A2B9-6359-7484-9D80-2AE992128E11}"/>
+              </a:ext>
+            </a:extLst>
+          </p:cNvPr>
+          <p:cNvSpPr>
+            <a:spLocks noGrp="1"/>
+          </p:cNvSpPr>
+          <p:nvPr>
+            <p:ph type="body" sz="quarter" idx="10"/>
+          </p:nvPr>
+        </p:nvSpPr>
+        <p:spPr/>
+        <p:txBody>
+          <a:bodyPr>
+            <a:normAutofit fontScale="77500" lnSpcReduction="20000"/>
+          </a:bodyPr>
+          <a:lstStyle/>
+          <a:p>
+            <a:endParaRPr lang="en-GB"/>
+          </a:p>
+        </p:txBody>
+      </p:sp>
+      <p:sp>
+        <p:nvSpPr>
+          <p:cNvPr id="3" name="Text Placeholder 2">
+            <a:extLst>
+              <a:ext uri="{FF2B5EF4-FFF2-40B4-BE49-F238E27FC236}">
+                <a16:creationId xmlns:a16="http://schemas.microsoft.com/office/drawing/2014/main" id="{E4841361-96FC-D977-A825-DA2CBFB4EBE3}"/>
+              </a:ext>
+            </a:extLst>
+          </p:cNvPr>
+          <p:cNvSpPr>
+            <a:spLocks noGrp="1"/>
+          </p:cNvSpPr>
+          <p:nvPr>
+            <p:ph type="body" sz="quarter" idx="11"/>
+          </p:nvPr>
+        </p:nvSpPr>
+        <p:spPr/>
+        <p:txBody>
+          <a:bodyPr/>
+          <a:lstStyle/>
+          <a:p>
+            <a:endParaRPr lang="en-GB"/>
+          </a:p>
+        </p:txBody>
+      </p:sp>
+      <p:sp>
+        <p:nvSpPr>
+          <p:cNvPr id="4" name="Text Placeholder 3">
+            <a:extLst>
+              <a:ext uri="{FF2B5EF4-FFF2-40B4-BE49-F238E27FC236}">
+                <a16:creationId xmlns:a16="http://schemas.microsoft.com/office/drawing/2014/main" id="{3F20A5F0-53D1-9AB0-13E4-317C8356CF2E}"/>
+              </a:ext>
+            </a:extLst>
+          </p:cNvPr>
+          <p:cNvSpPr>
+            <a:spLocks noGrp="1"/>
+          </p:cNvSpPr>
+          <p:nvPr>
+            <p:ph type="body" sz="quarter" idx="12"/>
+          </p:nvPr>
+        </p:nvSpPr>
+        <p:spPr/>
+        <p:txBody>
+          <a:bodyPr/>
+          <a:lstStyle/>
+          <a:p>
+            <a:endParaRPr lang="en-GB"/>
+          </a:p>
+        </p:txBody>
+      </p:sp>
+      <p:pic>
+        <p:nvPicPr>
+          <p:cNvPr id="6" name="Picture 5">
+            <a:extLst>
+              <a:ext uri="{FF2B5EF4-FFF2-40B4-BE49-F238E27FC236}">
+                <a16:creationId xmlns:a16="http://schemas.microsoft.com/office/drawing/2014/main" id="{5E0DCDBD-B0ED-1A23-E3B4-28DDA19B72E5}"/>
+              </a:ext>
+            </a:extLst>
+          </p:cNvPr>
+          <p:cNvPicPr>
+            <a:picLocks noChangeAspect="1"/>
+          </p:cNvPicPr>
+          <p:nvPr/>
+        </p:nvPicPr>
+        <p:blipFill>
+          <a:blip r:embed="rId2"/>
+          <a:stretch>
+            <a:fillRect/>
+          </a:stretch>
+        </p:blipFill>
+        <p:spPr>
+          <a:xfrm>
+            <a:off x="-105044" y="1775769"/>
+            <a:ext cx="5645764" cy="4511862"/>
+          </a:xfrm>
+          <a:prstGeom prst="rect">
+            <a:avLst/>
+          </a:prstGeom>
+        </p:spPr>
+      </p:pic>
+    </p:spTree>
+    <p:extLst>
+      <p:ext uri="{BB962C8B-B14F-4D97-AF65-F5344CB8AC3E}">
+        <p14:creationId xmlns:p14="http://schemas.microsoft.com/office/powerpoint/2010/main" val="935843142"/>
+      </p:ext>
+    </p:extLst>
+  </p:cSld>
+  <p:clrMapOvr>
+    <a:masterClrMapping/>
+  </p:clrMapOvr>
+</p:sld>
+</file>
+
 <file path=ppt/slides/slide2.xml><?xml version="1.0" encoding="utf-8"?>
 <p:sld xmlns:a="http://schemas.openxmlformats.org/drawingml/2006/main" xmlns:r="http://schemas.openxmlformats.org/officeDocument/2006/relationships" xmlns:p="http://schemas.openxmlformats.org/presentationml/2006/main">
   <p:cSld>
@@ -6688,131 +7260,12 @@
           <a:chExt cx="0" cy="0"/>
         </a:xfrm>
       </p:grpSpPr>
-      <p:sp>
-        <p:nvSpPr>
-          <p:cNvPr id="2" name="Text Placeholder 1">
-            <a:extLst>
-              <a:ext uri="{FF2B5EF4-FFF2-40B4-BE49-F238E27FC236}">
-                <a16:creationId xmlns:a16="http://schemas.microsoft.com/office/drawing/2014/main" id="{6F4EA53D-5E2E-E005-1E44-C1BC00876FAF}"/>
-              </a:ext>
-            </a:extLst>
-          </p:cNvPr>
-          <p:cNvSpPr>
-            <a:spLocks noGrp="1"/>
-          </p:cNvSpPr>
-          <p:nvPr>
-            <p:ph type="body" sz="quarter" idx="10"/>
-          </p:nvPr>
-        </p:nvSpPr>
-        <p:spPr/>
-        <p:txBody>
-          <a:bodyPr/>
-          <a:lstStyle/>
-          <a:p>
-            <a:endParaRPr lang="en-GB"/>
-          </a:p>
-        </p:txBody>
-      </p:sp>
-      <p:sp>
-        <p:nvSpPr>
-          <p:cNvPr id="3" name="Text Placeholder 2">
-            <a:extLst>
-              <a:ext uri="{FF2B5EF4-FFF2-40B4-BE49-F238E27FC236}">
-                <a16:creationId xmlns:a16="http://schemas.microsoft.com/office/drawing/2014/main" id="{16B4CA43-2B47-57C1-FE19-96516833EA6F}"/>
-              </a:ext>
-            </a:extLst>
-          </p:cNvPr>
-          <p:cNvSpPr>
-            <a:spLocks noGrp="1"/>
-          </p:cNvSpPr>
-          <p:nvPr>
-            <p:ph type="body" sz="quarter" idx="11"/>
-          </p:nvPr>
-        </p:nvSpPr>
-        <p:spPr/>
-        <p:txBody>
-          <a:bodyPr/>
-          <a:lstStyle/>
-          <a:p>
-            <a:r>
-              <a:rPr lang="en-GB" dirty="0"/>
-              <a:t>22-05-2025</a:t>
-            </a:r>
-          </a:p>
-          <a:p>
-            <a:endParaRPr lang="en-GB" dirty="0"/>
-          </a:p>
-        </p:txBody>
-      </p:sp>
-      <p:sp>
-        <p:nvSpPr>
-          <p:cNvPr id="4" name="Text Placeholder 3">
-            <a:extLst>
-              <a:ext uri="{FF2B5EF4-FFF2-40B4-BE49-F238E27FC236}">
-                <a16:creationId xmlns:a16="http://schemas.microsoft.com/office/drawing/2014/main" id="{B10597D9-6712-AA3A-07DE-F8EEC4DC32E4}"/>
-              </a:ext>
-            </a:extLst>
-          </p:cNvPr>
-          <p:cNvSpPr>
-            <a:spLocks noGrp="1"/>
-          </p:cNvSpPr>
-          <p:nvPr>
-            <p:ph type="body" sz="quarter" idx="12"/>
-          </p:nvPr>
-        </p:nvSpPr>
-        <p:spPr/>
-        <p:txBody>
-          <a:bodyPr/>
-          <a:lstStyle/>
-          <a:p>
-            <a:r>
-              <a:rPr lang="en-GB" dirty="0"/>
-              <a:t>Connecting via ethernet</a:t>
-            </a:r>
-          </a:p>
-        </p:txBody>
-      </p:sp>
-      <p:sp>
-        <p:nvSpPr>
-          <p:cNvPr id="6" name="TextBox 5">
-            <a:extLst>
-              <a:ext uri="{FF2B5EF4-FFF2-40B4-BE49-F238E27FC236}">
-                <a16:creationId xmlns:a16="http://schemas.microsoft.com/office/drawing/2014/main" id="{29D1362E-DF69-87A6-D676-FD600C22B467}"/>
-              </a:ext>
-            </a:extLst>
-          </p:cNvPr>
-          <p:cNvSpPr txBox="1"/>
-          <p:nvPr/>
-        </p:nvSpPr>
-        <p:spPr>
-          <a:xfrm>
-            <a:off x="0" y="261349"/>
-            <a:ext cx="6124352" cy="923330"/>
-          </a:xfrm>
-          <a:prstGeom prst="rect">
-            <a:avLst/>
-          </a:prstGeom>
-          <a:noFill/>
-        </p:spPr>
-        <p:txBody>
-          <a:bodyPr wrap="square">
-            <a:spAutoFit/>
-          </a:bodyPr>
-          <a:lstStyle/>
-          <a:p>
-            <a:r>
-              <a:rPr lang="en-GB" dirty="0"/>
-              <a:t>https://www.keysight.com/us/en/lib/software-detail/computer-software/io-libraries-suite-downloads-2175637.html</a:t>
-            </a:r>
-          </a:p>
-        </p:txBody>
-      </p:sp>
       <p:pic>
         <p:nvPicPr>
-          <p:cNvPr id="8" name="Picture 7">
-            <a:extLst>
-              <a:ext uri="{FF2B5EF4-FFF2-40B4-BE49-F238E27FC236}">
-                <a16:creationId xmlns:a16="http://schemas.microsoft.com/office/drawing/2014/main" id="{F9BCA2B8-B56F-C224-E49D-EE2494759BEC}"/>
+          <p:cNvPr id="9" name="Picture 8">
+            <a:extLst>
+              <a:ext uri="{FF2B5EF4-FFF2-40B4-BE49-F238E27FC236}">
+                <a16:creationId xmlns:a16="http://schemas.microsoft.com/office/drawing/2014/main" id="{79F6CFA5-8D27-3112-991E-37782231BC44}"/>
               </a:ext>
             </a:extLst>
           </p:cNvPr>
@@ -6823,20 +7276,303 @@
         </p:nvPicPr>
         <p:blipFill>
           <a:blip r:embed="rId2"/>
+          <a:srcRect l="50743" t="7105"/>
+          <a:stretch/>
+        </p:blipFill>
+        <p:spPr>
+          <a:xfrm>
+            <a:off x="76778" y="3429000"/>
+            <a:ext cx="3992759" cy="2863448"/>
+          </a:xfrm>
+          <a:prstGeom prst="rect">
+            <a:avLst/>
+          </a:prstGeom>
+        </p:spPr>
+      </p:pic>
+      <p:sp>
+        <p:nvSpPr>
+          <p:cNvPr id="2" name="Text Placeholder 1">
+            <a:extLst>
+              <a:ext uri="{FF2B5EF4-FFF2-40B4-BE49-F238E27FC236}">
+                <a16:creationId xmlns:a16="http://schemas.microsoft.com/office/drawing/2014/main" id="{6F4EA53D-5E2E-E005-1E44-C1BC00876FAF}"/>
+              </a:ext>
+            </a:extLst>
+          </p:cNvPr>
+          <p:cNvSpPr>
+            <a:spLocks noGrp="1"/>
+          </p:cNvSpPr>
+          <p:nvPr>
+            <p:ph type="body" sz="quarter" idx="10"/>
+          </p:nvPr>
+        </p:nvSpPr>
+        <p:spPr/>
+        <p:txBody>
+          <a:bodyPr>
+            <a:normAutofit fontScale="77500" lnSpcReduction="20000"/>
+          </a:bodyPr>
+          <a:lstStyle/>
+          <a:p>
+            <a:endParaRPr lang="en-GB"/>
+          </a:p>
+        </p:txBody>
+      </p:sp>
+      <p:sp>
+        <p:nvSpPr>
+          <p:cNvPr id="3" name="Text Placeholder 2">
+            <a:extLst>
+              <a:ext uri="{FF2B5EF4-FFF2-40B4-BE49-F238E27FC236}">
+                <a16:creationId xmlns:a16="http://schemas.microsoft.com/office/drawing/2014/main" id="{16B4CA43-2B47-57C1-FE19-96516833EA6F}"/>
+              </a:ext>
+            </a:extLst>
+          </p:cNvPr>
+          <p:cNvSpPr>
+            <a:spLocks noGrp="1"/>
+          </p:cNvSpPr>
+          <p:nvPr>
+            <p:ph type="body" sz="quarter" idx="11"/>
+          </p:nvPr>
+        </p:nvSpPr>
+        <p:spPr/>
+        <p:txBody>
+          <a:bodyPr/>
+          <a:lstStyle/>
+          <a:p>
+            <a:r>
+              <a:rPr lang="en-GB" dirty="0"/>
+              <a:t>22-05-2025</a:t>
+            </a:r>
+          </a:p>
+          <a:p>
+            <a:endParaRPr lang="en-GB" dirty="0"/>
+          </a:p>
+        </p:txBody>
+      </p:sp>
+      <p:sp>
+        <p:nvSpPr>
+          <p:cNvPr id="4" name="Text Placeholder 3">
+            <a:extLst>
+              <a:ext uri="{FF2B5EF4-FFF2-40B4-BE49-F238E27FC236}">
+                <a16:creationId xmlns:a16="http://schemas.microsoft.com/office/drawing/2014/main" id="{B10597D9-6712-AA3A-07DE-F8EEC4DC32E4}"/>
+              </a:ext>
+            </a:extLst>
+          </p:cNvPr>
+          <p:cNvSpPr>
+            <a:spLocks noGrp="1"/>
+          </p:cNvSpPr>
+          <p:nvPr>
+            <p:ph type="body" sz="quarter" idx="12"/>
+          </p:nvPr>
+        </p:nvSpPr>
+        <p:spPr/>
+        <p:txBody>
+          <a:bodyPr/>
+          <a:lstStyle/>
+          <a:p>
+            <a:r>
+              <a:rPr lang="en-GB" dirty="0"/>
+              <a:t>Connecting via USB</a:t>
+            </a:r>
+          </a:p>
+        </p:txBody>
+      </p:sp>
+      <p:sp>
+        <p:nvSpPr>
+          <p:cNvPr id="6" name="TextBox 5">
+            <a:extLst>
+              <a:ext uri="{FF2B5EF4-FFF2-40B4-BE49-F238E27FC236}">
+                <a16:creationId xmlns:a16="http://schemas.microsoft.com/office/drawing/2014/main" id="{29D1362E-DF69-87A6-D676-FD600C22B467}"/>
+              </a:ext>
+            </a:extLst>
+          </p:cNvPr>
+          <p:cNvSpPr txBox="1"/>
+          <p:nvPr/>
+        </p:nvSpPr>
+        <p:spPr>
+          <a:xfrm>
+            <a:off x="-1" y="261349"/>
+            <a:ext cx="11941521" cy="369332"/>
+          </a:xfrm>
+          <a:prstGeom prst="rect">
+            <a:avLst/>
+          </a:prstGeom>
+          <a:noFill/>
+        </p:spPr>
+        <p:txBody>
+          <a:bodyPr wrap="square">
+            <a:spAutoFit/>
+          </a:bodyPr>
+          <a:lstStyle/>
+          <a:p>
+            <a:r>
+              <a:rPr lang="en-GB" dirty="0"/>
+              <a:t>https://www.keysight.com/us/en/lib/software-detail/computer-software/io-libraries-suite-downloads-2175637.html</a:t>
+            </a:r>
+          </a:p>
+        </p:txBody>
+      </p:sp>
+      <p:pic>
+        <p:nvPicPr>
+          <p:cNvPr id="8" name="Picture 7">
+            <a:extLst>
+              <a:ext uri="{FF2B5EF4-FFF2-40B4-BE49-F238E27FC236}">
+                <a16:creationId xmlns:a16="http://schemas.microsoft.com/office/drawing/2014/main" id="{F9BCA2B8-B56F-C224-E49D-EE2494759BEC}"/>
+              </a:ext>
+            </a:extLst>
+          </p:cNvPr>
+          <p:cNvPicPr>
+            <a:picLocks noChangeAspect="1"/>
+          </p:cNvPicPr>
+          <p:nvPr/>
+        </p:nvPicPr>
+        <p:blipFill>
+          <a:blip r:embed="rId2"/>
+          <a:srcRect t="7727" r="50000" b="8814"/>
+          <a:stretch/>
+        </p:blipFill>
+        <p:spPr>
+          <a:xfrm>
+            <a:off x="16586" y="710201"/>
+            <a:ext cx="4052951" cy="2572594"/>
+          </a:xfrm>
+          <a:prstGeom prst="rect">
+            <a:avLst/>
+          </a:prstGeom>
+        </p:spPr>
+      </p:pic>
+      <p:sp>
+        <p:nvSpPr>
+          <p:cNvPr id="5" name="Rectangle 4">
+            <a:extLst>
+              <a:ext uri="{FF2B5EF4-FFF2-40B4-BE49-F238E27FC236}">
+                <a16:creationId xmlns:a16="http://schemas.microsoft.com/office/drawing/2014/main" id="{8BE44154-6CE1-A508-1BE7-98101E623211}"/>
+              </a:ext>
+            </a:extLst>
+          </p:cNvPr>
+          <p:cNvSpPr/>
+          <p:nvPr/>
+        </p:nvSpPr>
+        <p:spPr>
+          <a:xfrm>
+            <a:off x="76778" y="3429001"/>
+            <a:ext cx="3530852" cy="871328"/>
+          </a:xfrm>
+          <a:prstGeom prst="rect">
+            <a:avLst/>
+          </a:prstGeom>
+          <a:noFill/>
+          <a:ln w="57150">
+            <a:solidFill>
+              <a:srgbClr val="FF33CC"/>
+            </a:solidFill>
+          </a:ln>
+        </p:spPr>
+        <p:style>
+          <a:lnRef idx="2">
+            <a:schemeClr val="accent1">
+              <a:shade val="15000"/>
+            </a:schemeClr>
+          </a:lnRef>
+          <a:fillRef idx="1">
+            <a:schemeClr val="accent1"/>
+          </a:fillRef>
+          <a:effectRef idx="0">
+            <a:schemeClr val="accent1"/>
+          </a:effectRef>
+          <a:fontRef idx="minor">
+            <a:schemeClr val="lt1"/>
+          </a:fontRef>
+        </p:style>
+        <p:txBody>
+          <a:bodyPr rtlCol="0" anchor="ctr"/>
+          <a:lstStyle/>
+          <a:p>
+            <a:pPr algn="ctr"/>
+            <a:endParaRPr lang="en-GB"/>
+          </a:p>
+        </p:txBody>
+      </p:sp>
+      <p:pic>
+        <p:nvPicPr>
+          <p:cNvPr id="7" name="Picture 6">
+            <a:extLst>
+              <a:ext uri="{FF2B5EF4-FFF2-40B4-BE49-F238E27FC236}">
+                <a16:creationId xmlns:a16="http://schemas.microsoft.com/office/drawing/2014/main" id="{430DF039-1CAC-D825-F946-17BA1665B3B2}"/>
+              </a:ext>
+            </a:extLst>
+          </p:cNvPr>
+          <p:cNvPicPr>
+            <a:picLocks noChangeAspect="1"/>
+          </p:cNvPicPr>
+          <p:nvPr/>
+        </p:nvPicPr>
+        <p:blipFill>
+          <a:blip r:embed="rId3"/>
           <a:stretch>
             <a:fillRect/>
           </a:stretch>
         </p:blipFill>
         <p:spPr>
           <a:xfrm>
-            <a:off x="0" y="1063354"/>
-            <a:ext cx="9101470" cy="3461049"/>
+            <a:off x="4187254" y="1276540"/>
+            <a:ext cx="7641097" cy="4312899"/>
           </a:xfrm>
           <a:prstGeom prst="rect">
             <a:avLst/>
           </a:prstGeom>
         </p:spPr>
       </p:pic>
+      <p:sp>
+        <p:nvSpPr>
+          <p:cNvPr id="10" name="Rectangle 9">
+            <a:extLst>
+              <a:ext uri="{FF2B5EF4-FFF2-40B4-BE49-F238E27FC236}">
+                <a16:creationId xmlns:a16="http://schemas.microsoft.com/office/drawing/2014/main" id="{22FE0B7C-597E-724C-97E6-88CB8E8622EF}"/>
+              </a:ext>
+            </a:extLst>
+          </p:cNvPr>
+          <p:cNvSpPr/>
+          <p:nvPr/>
+        </p:nvSpPr>
+        <p:spPr>
+          <a:xfrm>
+            <a:off x="7034542" y="3824150"/>
+            <a:ext cx="2420859" cy="512460"/>
+          </a:xfrm>
+          <a:prstGeom prst="rect">
+            <a:avLst/>
+          </a:prstGeom>
+          <a:noFill/>
+          <a:ln w="57150">
+            <a:solidFill>
+              <a:srgbClr val="FF33CC"/>
+            </a:solidFill>
+          </a:ln>
+        </p:spPr>
+        <p:style>
+          <a:lnRef idx="2">
+            <a:schemeClr val="accent1">
+              <a:shade val="15000"/>
+            </a:schemeClr>
+          </a:lnRef>
+          <a:fillRef idx="1">
+            <a:schemeClr val="accent1"/>
+          </a:fillRef>
+          <a:effectRef idx="0">
+            <a:schemeClr val="accent1"/>
+          </a:effectRef>
+          <a:fontRef idx="minor">
+            <a:schemeClr val="lt1"/>
+          </a:fontRef>
+        </p:style>
+        <p:txBody>
+          <a:bodyPr rtlCol="0" anchor="ctr"/>
+          <a:lstStyle/>
+          <a:p>
+            <a:pPr algn="ctr"/>
+            <a:endParaRPr lang="en-GB"/>
+          </a:p>
+        </p:txBody>
+      </p:sp>
     </p:spTree>
     <p:extLst>
       <p:ext uri="{BB962C8B-B14F-4D97-AF65-F5344CB8AC3E}">
@@ -6872,7 +7608,7 @@
           <p:cNvPr id="2" name="Text Placeholder 1">
             <a:extLst>
               <a:ext uri="{FF2B5EF4-FFF2-40B4-BE49-F238E27FC236}">
-                <a16:creationId xmlns:a16="http://schemas.microsoft.com/office/drawing/2014/main" id="{3503A2B9-6359-7484-9D80-2AE992128E11}"/>
+                <a16:creationId xmlns:a16="http://schemas.microsoft.com/office/drawing/2014/main" id="{A7B00AA8-67CA-6ADC-58C1-FEE80574CCFB}"/>
               </a:ext>
             </a:extLst>
           </p:cNvPr>
@@ -6885,27 +7621,60 @@
         </p:nvSpPr>
         <p:spPr/>
         <p:txBody>
+          <a:bodyPr>
+            <a:normAutofit fontScale="77500" lnSpcReduction="20000"/>
+          </a:bodyPr>
+          <a:lstStyle/>
+          <a:p>
+            <a:r>
+              <a:rPr lang="en-GB" dirty="0"/>
+              <a:t>https://github.com/PoppyJoshi/VNA_remoteControl</a:t>
+            </a:r>
+          </a:p>
+        </p:txBody>
+      </p:sp>
+      <p:sp>
+        <p:nvSpPr>
+          <p:cNvPr id="3" name="Text Placeholder 2">
+            <a:extLst>
+              <a:ext uri="{FF2B5EF4-FFF2-40B4-BE49-F238E27FC236}">
+                <a16:creationId xmlns:a16="http://schemas.microsoft.com/office/drawing/2014/main" id="{96EA35EE-CF3B-4549-FD20-37E2A5119B6A}"/>
+              </a:ext>
+            </a:extLst>
+          </p:cNvPr>
+          <p:cNvSpPr>
+            <a:spLocks noGrp="1"/>
+          </p:cNvSpPr>
+          <p:nvPr>
+            <p:ph type="body" sz="quarter" idx="11"/>
+          </p:nvPr>
+        </p:nvSpPr>
+        <p:spPr/>
+        <p:txBody>
           <a:bodyPr/>
           <a:lstStyle/>
           <a:p>
-            <a:endParaRPr lang="en-GB"/>
-          </a:p>
-        </p:txBody>
-      </p:sp>
-      <p:sp>
-        <p:nvSpPr>
-          <p:cNvPr id="3" name="Text Placeholder 2">
-            <a:extLst>
-              <a:ext uri="{FF2B5EF4-FFF2-40B4-BE49-F238E27FC236}">
-                <a16:creationId xmlns:a16="http://schemas.microsoft.com/office/drawing/2014/main" id="{E4841361-96FC-D977-A825-DA2CBFB4EBE3}"/>
-              </a:ext>
-            </a:extLst>
-          </p:cNvPr>
-          <p:cNvSpPr>
-            <a:spLocks noGrp="1"/>
-          </p:cNvSpPr>
-          <p:nvPr>
-            <p:ph type="body" sz="quarter" idx="11"/>
+            <a:r>
+              <a:rPr lang="en-GB" dirty="0"/>
+              <a:t>2025-05-27</a:t>
+            </a:r>
+          </a:p>
+        </p:txBody>
+      </p:sp>
+      <p:sp>
+        <p:nvSpPr>
+          <p:cNvPr id="4" name="Text Placeholder 3">
+            <a:extLst>
+              <a:ext uri="{FF2B5EF4-FFF2-40B4-BE49-F238E27FC236}">
+                <a16:creationId xmlns:a16="http://schemas.microsoft.com/office/drawing/2014/main" id="{B739C54E-380C-3CBA-FDCE-5AD1907D12C2}"/>
+              </a:ext>
+            </a:extLst>
+          </p:cNvPr>
+          <p:cNvSpPr>
+            <a:spLocks noGrp="1"/>
+          </p:cNvSpPr>
+          <p:nvPr>
+            <p:ph type="body" sz="quarter" idx="12"/>
           </p:nvPr>
         </p:nvSpPr>
         <p:spPr/>
@@ -6913,41 +7682,86 @@
           <a:bodyPr/>
           <a:lstStyle/>
           <a:p>
-            <a:endParaRPr lang="en-GB"/>
-          </a:p>
-        </p:txBody>
-      </p:sp>
-      <p:sp>
-        <p:nvSpPr>
-          <p:cNvPr id="4" name="Text Placeholder 3">
-            <a:extLst>
-              <a:ext uri="{FF2B5EF4-FFF2-40B4-BE49-F238E27FC236}">
-                <a16:creationId xmlns:a16="http://schemas.microsoft.com/office/drawing/2014/main" id="{3F20A5F0-53D1-9AB0-13E4-317C8356CF2E}"/>
-              </a:ext>
-            </a:extLst>
-          </p:cNvPr>
-          <p:cNvSpPr>
-            <a:spLocks noGrp="1"/>
-          </p:cNvSpPr>
-          <p:nvPr>
-            <p:ph type="body" sz="quarter" idx="12"/>
-          </p:nvPr>
-        </p:nvSpPr>
-        <p:spPr/>
-        <p:txBody>
-          <a:bodyPr/>
-          <a:lstStyle/>
-          <a:p>
-            <a:endParaRPr lang="en-GB"/>
+            <a:r>
+              <a:rPr lang="en-GB" dirty="0"/>
+              <a:t>Setting up MATLAB</a:t>
+            </a:r>
+          </a:p>
+        </p:txBody>
+      </p:sp>
+      <p:sp>
+        <p:nvSpPr>
+          <p:cNvPr id="5" name="TextBox 4">
+            <a:extLst>
+              <a:ext uri="{FF2B5EF4-FFF2-40B4-BE49-F238E27FC236}">
+                <a16:creationId xmlns:a16="http://schemas.microsoft.com/office/drawing/2014/main" id="{077CBBC4-9B66-B052-B4A5-D28EEEFCF546}"/>
+              </a:ext>
+            </a:extLst>
+          </p:cNvPr>
+          <p:cNvSpPr txBox="1"/>
+          <p:nvPr/>
+        </p:nvSpPr>
+        <p:spPr>
+          <a:xfrm>
+            <a:off x="0" y="262550"/>
+            <a:ext cx="11902361" cy="646331"/>
+          </a:xfrm>
+          <a:prstGeom prst="rect">
+            <a:avLst/>
+          </a:prstGeom>
+          <a:noFill/>
+        </p:spPr>
+        <p:txBody>
+          <a:bodyPr wrap="none" rtlCol="0">
+            <a:spAutoFit/>
+          </a:bodyPr>
+          <a:lstStyle/>
+          <a:p>
+            <a:pPr>
+              <a:buNone/>
+            </a:pPr>
+            <a:r>
+              <a:rPr lang="en-GB" sz="1800" b="0" i="0" dirty="0">
+                <a:solidFill>
+                  <a:srgbClr val="028009"/>
+                </a:solidFill>
+                <a:effectLst/>
+                <a:latin typeface="Menlo"/>
+              </a:rPr>
+              <a:t> SCIP commands can be found here</a:t>
+            </a:r>
+            <a:r>
+              <a:rPr lang="en-GB" dirty="0">
+                <a:latin typeface="Menlo"/>
+              </a:rPr>
+              <a:t>: </a:t>
+            </a:r>
+            <a:r>
+              <a:rPr lang="en-GB" sz="1800" b="0" i="0" dirty="0">
+                <a:solidFill>
+                  <a:srgbClr val="028009"/>
+                </a:solidFill>
+                <a:effectLst/>
+                <a:latin typeface="Menlo"/>
+              </a:rPr>
+              <a:t>https://helpfiles.keysight.com/csg/e5061b/programming/command_reference/index.htm</a:t>
+            </a:r>
+            <a:endParaRPr lang="en-GB" sz="1800" b="0" i="0" dirty="0">
+              <a:effectLst/>
+              <a:latin typeface="Menlo"/>
+            </a:endParaRPr>
+          </a:p>
+          <a:p>
+            <a:endParaRPr lang="en-GB" dirty="0"/>
           </a:p>
         </p:txBody>
       </p:sp>
       <p:pic>
         <p:nvPicPr>
-          <p:cNvPr id="6" name="Picture 5">
-            <a:extLst>
-              <a:ext uri="{FF2B5EF4-FFF2-40B4-BE49-F238E27FC236}">
-                <a16:creationId xmlns:a16="http://schemas.microsoft.com/office/drawing/2014/main" id="{5E0DCDBD-B0ED-1A23-E3B4-28DDA19B72E5}"/>
+          <p:cNvPr id="7" name="Picture 6">
+            <a:extLst>
+              <a:ext uri="{FF2B5EF4-FFF2-40B4-BE49-F238E27FC236}">
+                <a16:creationId xmlns:a16="http://schemas.microsoft.com/office/drawing/2014/main" id="{1F68B701-AC7E-9977-9D2C-345E560D55A6}"/>
               </a:ext>
             </a:extLst>
           </p:cNvPr>
@@ -6964,8 +7778,506 @@
         </p:blipFill>
         <p:spPr>
           <a:xfrm>
-            <a:off x="-105044" y="1775769"/>
-            <a:ext cx="5645764" cy="4511862"/>
+            <a:off x="0" y="708008"/>
+            <a:ext cx="5191125" cy="1114425"/>
+          </a:xfrm>
+          <a:prstGeom prst="rect">
+            <a:avLst/>
+          </a:prstGeom>
+        </p:spPr>
+      </p:pic>
+      <p:pic>
+        <p:nvPicPr>
+          <p:cNvPr id="9" name="Picture 8">
+            <a:extLst>
+              <a:ext uri="{FF2B5EF4-FFF2-40B4-BE49-F238E27FC236}">
+                <a16:creationId xmlns:a16="http://schemas.microsoft.com/office/drawing/2014/main" id="{5F6E7EBD-69E8-94F1-3759-143004F8053F}"/>
+              </a:ext>
+            </a:extLst>
+          </p:cNvPr>
+          <p:cNvPicPr>
+            <a:picLocks noChangeAspect="1"/>
+          </p:cNvPicPr>
+          <p:nvPr/>
+        </p:nvPicPr>
+        <p:blipFill>
+          <a:blip r:embed="rId3"/>
+          <a:stretch>
+            <a:fillRect/>
+          </a:stretch>
+        </p:blipFill>
+        <p:spPr>
+          <a:xfrm>
+            <a:off x="128163" y="2161109"/>
+            <a:ext cx="6648450" cy="885825"/>
+          </a:xfrm>
+          <a:prstGeom prst="rect">
+            <a:avLst/>
+          </a:prstGeom>
+        </p:spPr>
+      </p:pic>
+      <p:sp>
+        <p:nvSpPr>
+          <p:cNvPr id="10" name="TextBox 9">
+            <a:extLst>
+              <a:ext uri="{FF2B5EF4-FFF2-40B4-BE49-F238E27FC236}">
+                <a16:creationId xmlns:a16="http://schemas.microsoft.com/office/drawing/2014/main" id="{8F304841-6A96-C6B8-6B07-C1F30A51685B}"/>
+              </a:ext>
+            </a:extLst>
+          </p:cNvPr>
+          <p:cNvSpPr txBox="1"/>
+          <p:nvPr/>
+        </p:nvSpPr>
+        <p:spPr>
+          <a:xfrm>
+            <a:off x="5459511" y="791691"/>
+            <a:ext cx="6174463" cy="369333"/>
+          </a:xfrm>
+          <a:prstGeom prst="rect">
+            <a:avLst/>
+          </a:prstGeom>
+          <a:noFill/>
+        </p:spPr>
+        <p:txBody>
+          <a:bodyPr wrap="square" rtlCol="0">
+            <a:spAutoFit/>
+          </a:bodyPr>
+          <a:lstStyle/>
+          <a:p>
+            <a:r>
+              <a:rPr lang="en-GB" dirty="0">
+                <a:sym typeface="Wingdings" panose="05000000000000000000" pitchFamily="2" charset="2"/>
+              </a:rPr>
+              <a:t> </a:t>
+            </a:r>
+            <a:r>
+              <a:rPr lang="en-GB" dirty="0"/>
+              <a:t>Visa address from the </a:t>
+            </a:r>
+            <a:r>
+              <a:rPr lang="en-GB" dirty="0" err="1"/>
+              <a:t>keysight</a:t>
+            </a:r>
+            <a:r>
+              <a:rPr lang="en-GB" dirty="0"/>
+              <a:t> connection expert</a:t>
+            </a:r>
+          </a:p>
+        </p:txBody>
+      </p:sp>
+      <p:sp>
+        <p:nvSpPr>
+          <p:cNvPr id="11" name="TextBox 10">
+            <a:extLst>
+              <a:ext uri="{FF2B5EF4-FFF2-40B4-BE49-F238E27FC236}">
+                <a16:creationId xmlns:a16="http://schemas.microsoft.com/office/drawing/2014/main" id="{39F41FE3-43BE-A065-BC23-BAC57614EC7C}"/>
+              </a:ext>
+            </a:extLst>
+          </p:cNvPr>
+          <p:cNvSpPr txBox="1"/>
+          <p:nvPr/>
+        </p:nvSpPr>
+        <p:spPr>
+          <a:xfrm>
+            <a:off x="6879772" y="2043919"/>
+            <a:ext cx="5184066" cy="369332"/>
+          </a:xfrm>
+          <a:prstGeom prst="rect">
+            <a:avLst/>
+          </a:prstGeom>
+          <a:noFill/>
+        </p:spPr>
+        <p:txBody>
+          <a:bodyPr wrap="square" rtlCol="0">
+            <a:spAutoFit/>
+          </a:bodyPr>
+          <a:lstStyle/>
+          <a:p>
+            <a:r>
+              <a:rPr lang="en-GB" dirty="0">
+                <a:sym typeface="Wingdings" panose="05000000000000000000" pitchFamily="2" charset="2"/>
+              </a:rPr>
+              <a:t> </a:t>
+            </a:r>
+            <a:r>
+              <a:rPr lang="en-GB" dirty="0"/>
+              <a:t>Setting the scan range &amp; number of points</a:t>
+            </a:r>
+          </a:p>
+        </p:txBody>
+      </p:sp>
+      <p:pic>
+        <p:nvPicPr>
+          <p:cNvPr id="13" name="Picture 12">
+            <a:extLst>
+              <a:ext uri="{FF2B5EF4-FFF2-40B4-BE49-F238E27FC236}">
+                <a16:creationId xmlns:a16="http://schemas.microsoft.com/office/drawing/2014/main" id="{6314FABC-468B-A61D-950B-B3A48BF44A19}"/>
+              </a:ext>
+            </a:extLst>
+          </p:cNvPr>
+          <p:cNvPicPr>
+            <a:picLocks noChangeAspect="1"/>
+          </p:cNvPicPr>
+          <p:nvPr/>
+        </p:nvPicPr>
+        <p:blipFill>
+          <a:blip r:embed="rId4"/>
+          <a:stretch>
+            <a:fillRect/>
+          </a:stretch>
+        </p:blipFill>
+        <p:spPr>
+          <a:xfrm>
+            <a:off x="115986" y="3372917"/>
+            <a:ext cx="5343525" cy="438150"/>
+          </a:xfrm>
+          <a:prstGeom prst="rect">
+            <a:avLst/>
+          </a:prstGeom>
+        </p:spPr>
+      </p:pic>
+      <p:sp>
+        <p:nvSpPr>
+          <p:cNvPr id="14" name="TextBox 13">
+            <a:extLst>
+              <a:ext uri="{FF2B5EF4-FFF2-40B4-BE49-F238E27FC236}">
+                <a16:creationId xmlns:a16="http://schemas.microsoft.com/office/drawing/2014/main" id="{9427E8D5-87F3-2C46-75BE-A9A0E85EFE9B}"/>
+              </a:ext>
+            </a:extLst>
+          </p:cNvPr>
+          <p:cNvSpPr txBox="1"/>
+          <p:nvPr/>
+        </p:nvSpPr>
+        <p:spPr>
+          <a:xfrm>
+            <a:off x="5628885" y="3296146"/>
+            <a:ext cx="5184066" cy="369332"/>
+          </a:xfrm>
+          <a:prstGeom prst="rect">
+            <a:avLst/>
+          </a:prstGeom>
+          <a:noFill/>
+        </p:spPr>
+        <p:txBody>
+          <a:bodyPr wrap="square" rtlCol="0">
+            <a:spAutoFit/>
+          </a:bodyPr>
+          <a:lstStyle/>
+          <a:p>
+            <a:r>
+              <a:rPr lang="en-GB" dirty="0">
+                <a:sym typeface="Wingdings" panose="05000000000000000000" pitchFamily="2" charset="2"/>
+              </a:rPr>
+              <a:t> </a:t>
+            </a:r>
+            <a:r>
+              <a:rPr lang="en-GB" dirty="0"/>
+              <a:t>Measuring the S11 param &amp; initiating the sweep</a:t>
+            </a:r>
+          </a:p>
+        </p:txBody>
+      </p:sp>
+      <p:pic>
+        <p:nvPicPr>
+          <p:cNvPr id="16" name="Picture 15">
+            <a:extLst>
+              <a:ext uri="{FF2B5EF4-FFF2-40B4-BE49-F238E27FC236}">
+                <a16:creationId xmlns:a16="http://schemas.microsoft.com/office/drawing/2014/main" id="{0EFB00D1-B71B-0758-D208-4DF7C6BB306D}"/>
+              </a:ext>
+            </a:extLst>
+          </p:cNvPr>
+          <p:cNvPicPr>
+            <a:picLocks noChangeAspect="1"/>
+          </p:cNvPicPr>
+          <p:nvPr/>
+        </p:nvPicPr>
+        <p:blipFill>
+          <a:blip r:embed="rId5"/>
+          <a:stretch>
+            <a:fillRect/>
+          </a:stretch>
+        </p:blipFill>
+        <p:spPr>
+          <a:xfrm>
+            <a:off x="95250" y="4162465"/>
+            <a:ext cx="5734050" cy="590550"/>
+          </a:xfrm>
+          <a:prstGeom prst="rect">
+            <a:avLst/>
+          </a:prstGeom>
+        </p:spPr>
+      </p:pic>
+      <p:sp>
+        <p:nvSpPr>
+          <p:cNvPr id="17" name="TextBox 16">
+            <a:extLst>
+              <a:ext uri="{FF2B5EF4-FFF2-40B4-BE49-F238E27FC236}">
+                <a16:creationId xmlns:a16="http://schemas.microsoft.com/office/drawing/2014/main" id="{EACF8002-B6CE-A082-CA89-93F50CA3BF2C}"/>
+              </a:ext>
+            </a:extLst>
+          </p:cNvPr>
+          <p:cNvSpPr txBox="1"/>
+          <p:nvPr/>
+        </p:nvSpPr>
+        <p:spPr>
+          <a:xfrm>
+            <a:off x="5829300" y="4046013"/>
+            <a:ext cx="5184066" cy="923330"/>
+          </a:xfrm>
+          <a:prstGeom prst="rect">
+            <a:avLst/>
+          </a:prstGeom>
+          <a:noFill/>
+        </p:spPr>
+        <p:txBody>
+          <a:bodyPr wrap="square" rtlCol="0">
+            <a:spAutoFit/>
+          </a:bodyPr>
+          <a:lstStyle/>
+          <a:p>
+            <a:pPr marL="285750" indent="-285750">
+              <a:buFont typeface="Wingdings" panose="05000000000000000000" pitchFamily="2" charset="2"/>
+              <a:buChar char="ß"/>
+            </a:pPr>
+            <a:r>
+              <a:rPr lang="en-GB" dirty="0"/>
+              <a:t>Fetching the S11 data</a:t>
+            </a:r>
+          </a:p>
+          <a:p>
+            <a:pPr marL="285750" indent="-285750">
+              <a:buFont typeface="Wingdings" panose="05000000000000000000" pitchFamily="2" charset="2"/>
+              <a:buChar char="ß"/>
+            </a:pPr>
+            <a:r>
+              <a:rPr lang="en-GB" dirty="0"/>
+              <a:t>Pause required to give the VNA time to respond to the fetch request</a:t>
+            </a:r>
+          </a:p>
+        </p:txBody>
+      </p:sp>
+      <p:pic>
+        <p:nvPicPr>
+          <p:cNvPr id="19" name="Picture 18">
+            <a:extLst>
+              <a:ext uri="{FF2B5EF4-FFF2-40B4-BE49-F238E27FC236}">
+                <a16:creationId xmlns:a16="http://schemas.microsoft.com/office/drawing/2014/main" id="{A69DD9FA-17A7-BC1B-053D-DE210E5D277B}"/>
+              </a:ext>
+            </a:extLst>
+          </p:cNvPr>
+          <p:cNvPicPr>
+            <a:picLocks noChangeAspect="1"/>
+          </p:cNvPicPr>
+          <p:nvPr/>
+        </p:nvPicPr>
+        <p:blipFill>
+          <a:blip r:embed="rId6"/>
+          <a:stretch>
+            <a:fillRect/>
+          </a:stretch>
+        </p:blipFill>
+        <p:spPr>
+          <a:xfrm>
+            <a:off x="115986" y="5392296"/>
+            <a:ext cx="4505325" cy="476250"/>
+          </a:xfrm>
+          <a:prstGeom prst="rect">
+            <a:avLst/>
+          </a:prstGeom>
+        </p:spPr>
+      </p:pic>
+      <p:sp>
+        <p:nvSpPr>
+          <p:cNvPr id="20" name="TextBox 19">
+            <a:extLst>
+              <a:ext uri="{FF2B5EF4-FFF2-40B4-BE49-F238E27FC236}">
+                <a16:creationId xmlns:a16="http://schemas.microsoft.com/office/drawing/2014/main" id="{B3156CA4-EADF-0C88-451D-093F0AB1F8F2}"/>
+              </a:ext>
+            </a:extLst>
+          </p:cNvPr>
+          <p:cNvSpPr txBox="1"/>
+          <p:nvPr/>
+        </p:nvSpPr>
+        <p:spPr>
+          <a:xfrm>
+            <a:off x="5112568" y="5529785"/>
+            <a:ext cx="7349622" cy="369332"/>
+          </a:xfrm>
+          <a:prstGeom prst="rect">
+            <a:avLst/>
+          </a:prstGeom>
+          <a:noFill/>
+        </p:spPr>
+        <p:txBody>
+          <a:bodyPr wrap="square" rtlCol="0">
+            <a:spAutoFit/>
+          </a:bodyPr>
+          <a:lstStyle/>
+          <a:p>
+            <a:pPr marL="285750" indent="-285750">
+              <a:buFont typeface="Wingdings" panose="05000000000000000000" pitchFamily="2" charset="2"/>
+              <a:buChar char="ß"/>
+            </a:pPr>
+            <a:r>
+              <a:rPr lang="en-GB" dirty="0"/>
+              <a:t> Turning the data into numbers that we can process and plot</a:t>
+            </a:r>
+          </a:p>
+        </p:txBody>
+      </p:sp>
+      <p:pic>
+        <p:nvPicPr>
+          <p:cNvPr id="22" name="Picture 21">
+            <a:extLst>
+              <a:ext uri="{FF2B5EF4-FFF2-40B4-BE49-F238E27FC236}">
+                <a16:creationId xmlns:a16="http://schemas.microsoft.com/office/drawing/2014/main" id="{5B02F554-5291-49AB-DA8D-7B362B2EC72F}"/>
+              </a:ext>
+            </a:extLst>
+          </p:cNvPr>
+          <p:cNvPicPr>
+            <a:picLocks noChangeAspect="1"/>
+          </p:cNvPicPr>
+          <p:nvPr/>
+        </p:nvPicPr>
+        <p:blipFill>
+          <a:blip r:embed="rId7"/>
+          <a:stretch>
+            <a:fillRect/>
+          </a:stretch>
+        </p:blipFill>
+        <p:spPr>
+          <a:xfrm>
+            <a:off x="115986" y="4850790"/>
+            <a:ext cx="5286375" cy="409575"/>
+          </a:xfrm>
+          <a:prstGeom prst="rect">
+            <a:avLst/>
+          </a:prstGeom>
+        </p:spPr>
+      </p:pic>
+      <p:sp>
+        <p:nvSpPr>
+          <p:cNvPr id="23" name="TextBox 22">
+            <a:extLst>
+              <a:ext uri="{FF2B5EF4-FFF2-40B4-BE49-F238E27FC236}">
+                <a16:creationId xmlns:a16="http://schemas.microsoft.com/office/drawing/2014/main" id="{C60FE197-AC27-7070-B5EC-3431469C1671}"/>
+              </a:ext>
+            </a:extLst>
+          </p:cNvPr>
+          <p:cNvSpPr txBox="1"/>
+          <p:nvPr/>
+        </p:nvSpPr>
+        <p:spPr>
+          <a:xfrm>
+            <a:off x="5402361" y="4967837"/>
+            <a:ext cx="5184066" cy="369332"/>
+          </a:xfrm>
+          <a:prstGeom prst="rect">
+            <a:avLst/>
+          </a:prstGeom>
+          <a:noFill/>
+        </p:spPr>
+        <p:txBody>
+          <a:bodyPr wrap="square" rtlCol="0">
+            <a:spAutoFit/>
+          </a:bodyPr>
+          <a:lstStyle/>
+          <a:p>
+            <a:pPr marL="285750" indent="-285750">
+              <a:buFont typeface="Wingdings" panose="05000000000000000000" pitchFamily="2" charset="2"/>
+              <a:buChar char="ß"/>
+            </a:pPr>
+            <a:r>
+              <a:rPr lang="en-GB" dirty="0"/>
+              <a:t>Get the corresponding frequency data</a:t>
+            </a:r>
+          </a:p>
+        </p:txBody>
+      </p:sp>
+      <p:pic>
+        <p:nvPicPr>
+          <p:cNvPr id="25" name="Picture 24">
+            <a:extLst>
+              <a:ext uri="{FF2B5EF4-FFF2-40B4-BE49-F238E27FC236}">
+                <a16:creationId xmlns:a16="http://schemas.microsoft.com/office/drawing/2014/main" id="{B27C1896-D470-FB90-3598-756CE917D462}"/>
+              </a:ext>
+            </a:extLst>
+          </p:cNvPr>
+          <p:cNvPicPr>
+            <a:picLocks noChangeAspect="1"/>
+          </p:cNvPicPr>
+          <p:nvPr/>
+        </p:nvPicPr>
+        <p:blipFill>
+          <a:blip r:embed="rId8"/>
+          <a:stretch>
+            <a:fillRect/>
+          </a:stretch>
+        </p:blipFill>
+        <p:spPr>
+          <a:xfrm>
+            <a:off x="95250" y="5818659"/>
+            <a:ext cx="5495925" cy="247650"/>
+          </a:xfrm>
+          <a:prstGeom prst="rect">
+            <a:avLst/>
+          </a:prstGeom>
+        </p:spPr>
+      </p:pic>
+      <p:pic>
+        <p:nvPicPr>
+          <p:cNvPr id="26" name="Picture 25">
+            <a:extLst>
+              <a:ext uri="{FF2B5EF4-FFF2-40B4-BE49-F238E27FC236}">
+                <a16:creationId xmlns:a16="http://schemas.microsoft.com/office/drawing/2014/main" id="{E748E947-50B8-EAD3-C0C4-763F254E2C12}"/>
+              </a:ext>
+            </a:extLst>
+          </p:cNvPr>
+          <p:cNvPicPr>
+            <a:picLocks noChangeAspect="1"/>
+          </p:cNvPicPr>
+          <p:nvPr/>
+        </p:nvPicPr>
+        <p:blipFill>
+          <a:blip r:embed="rId9"/>
+          <a:stretch>
+            <a:fillRect/>
+          </a:stretch>
+        </p:blipFill>
+        <p:spPr>
+          <a:xfrm>
+            <a:off x="95250" y="1884280"/>
+            <a:ext cx="5948221" cy="284239"/>
+          </a:xfrm>
+          <a:prstGeom prst="rect">
+            <a:avLst/>
+          </a:prstGeom>
+        </p:spPr>
+      </p:pic>
+      <p:pic>
+        <p:nvPicPr>
+          <p:cNvPr id="27" name="Picture 26">
+            <a:extLst>
+              <a:ext uri="{FF2B5EF4-FFF2-40B4-BE49-F238E27FC236}">
+                <a16:creationId xmlns:a16="http://schemas.microsoft.com/office/drawing/2014/main" id="{7DD34BA5-C657-C2D2-FEE9-DD86E98CED8E}"/>
+              </a:ext>
+            </a:extLst>
+          </p:cNvPr>
+          <p:cNvPicPr>
+            <a:picLocks noChangeAspect="1"/>
+          </p:cNvPicPr>
+          <p:nvPr/>
+        </p:nvPicPr>
+        <p:blipFill>
+          <a:blip r:embed="rId10"/>
+          <a:stretch>
+            <a:fillRect/>
+          </a:stretch>
+        </p:blipFill>
+        <p:spPr>
+          <a:xfrm>
+            <a:off x="6921582" y="2377623"/>
+            <a:ext cx="2145624" cy="537988"/>
           </a:xfrm>
           <a:prstGeom prst="rect">
             <a:avLst/>
@@ -6975,7 +8287,7 @@
     </p:spTree>
     <p:extLst>
       <p:ext uri="{BB962C8B-B14F-4D97-AF65-F5344CB8AC3E}">
-        <p14:creationId xmlns:p14="http://schemas.microsoft.com/office/powerpoint/2010/main" val="935843142"/>
+        <p14:creationId xmlns:p14="http://schemas.microsoft.com/office/powerpoint/2010/main" val="304345308"/>
       </p:ext>
     </p:extLst>
   </p:cSld>
